--- a/ppt/IoT18-Micropython.pptx
+++ b/ppt/IoT18-Micropython.pptx
@@ -20,7 +20,7 @@
     <p:sldId id="274" r:id="rId8"/>
     <p:sldId id="273" r:id="rId9"/>
     <p:sldId id="270" r:id="rId10"/>
-    <p:sldId id="271" r:id="rId11"/>
+    <p:sldId id="275" r:id="rId11"/>
     <p:sldId id="272" r:id="rId12"/>
   </p:sldIdLst>
   <p:sldSz cx="9144000" cy="6858000" type="screen4x3"/>
@@ -3760,7 +3760,7 @@
           <p:cNvPr id="2" name="Titre 1">
             <a:extLst>
               <a:ext uri="{FF2B5EF4-FFF2-40B4-BE49-F238E27FC236}">
-                <a16:creationId xmlns:a16="http://schemas.microsoft.com/office/drawing/2014/main" id="{7D8FF4DC-36D8-8292-6DBA-95690A3970D2}"/>
+                <a16:creationId xmlns:a16="http://schemas.microsoft.com/office/drawing/2014/main" id="{EEAAC0A7-215E-B9A6-C2C9-B1B3F264D632}"/>
               </a:ext>
             </a:extLst>
           </p:cNvPr>
@@ -3778,63 +3778,44 @@
           <a:p>
             <a:r>
               <a:rPr lang="fr-FR" dirty="0"/>
-              <a:t>TODO</a:t>
+              <a:t>Premier script</a:t>
             </a:r>
           </a:p>
         </p:txBody>
       </p:sp>
-      <p:sp>
-        <p:nvSpPr>
-          <p:cNvPr id="3" name="Espace réservé du contenu 2">
+      <p:pic>
+        <p:nvPicPr>
+          <p:cNvPr id="5" name="Espace réservé du contenu 4">
             <a:extLst>
               <a:ext uri="{FF2B5EF4-FFF2-40B4-BE49-F238E27FC236}">
-                <a16:creationId xmlns:a16="http://schemas.microsoft.com/office/drawing/2014/main" id="{A1B3FF30-939E-6D6A-C749-2D18094A702B}"/>
+                <a16:creationId xmlns:a16="http://schemas.microsoft.com/office/drawing/2014/main" id="{F0111A1A-96C5-E6D9-FEFC-FB0389310410}"/>
               </a:ext>
             </a:extLst>
           </p:cNvPr>
-          <p:cNvSpPr>
-            <a:spLocks noGrp="1"/>
-          </p:cNvSpPr>
+          <p:cNvPicPr>
+            <a:picLocks noGrp="1" noChangeAspect="1"/>
+          </p:cNvPicPr>
           <p:nvPr>
             <p:ph idx="1"/>
           </p:nvPr>
-        </p:nvSpPr>
-        <p:spPr/>
-        <p:txBody>
-          <a:bodyPr/>
-          <a:lstStyle/>
-          <a:p>
-            <a:r>
-              <a:rPr lang="fr-FR" dirty="0"/>
-              <a:t>3</a:t>
-            </a:r>
-            <a:r>
-              <a:rPr lang="fr-FR" baseline="30000" dirty="0"/>
-              <a:t>ème</a:t>
-            </a:r>
-            <a:r>
-              <a:rPr lang="fr-FR" dirty="0"/>
-              <a:t> argument </a:t>
-            </a:r>
-            <a:r>
-              <a:rPr lang="fr-FR" dirty="0" err="1"/>
-              <a:t>PullUp</a:t>
-            </a:r>
-            <a:r>
-              <a:rPr lang="fr-FR" dirty="0"/>
-              <a:t> </a:t>
-            </a:r>
-            <a:r>
-              <a:rPr lang="fr-FR"/>
-              <a:t>PullDown</a:t>
-            </a:r>
-          </a:p>
-        </p:txBody>
-      </p:sp>
+        </p:nvPicPr>
+        <p:blipFill>
+          <a:blip r:embed="rId2"/>
+          <a:stretch>
+            <a:fillRect/>
+          </a:stretch>
+        </p:blipFill>
+        <p:spPr>
+          <a:xfrm>
+            <a:off x="2423814" y="2380240"/>
+            <a:ext cx="4277322" cy="3105583"/>
+          </a:xfrm>
+        </p:spPr>
+      </p:pic>
     </p:spTree>
     <p:extLst>
       <p:ext uri="{BB962C8B-B14F-4D97-AF65-F5344CB8AC3E}">
-        <p14:creationId xmlns:p14="http://schemas.microsoft.com/office/powerpoint/2010/main" val="2127767017"/>
+        <p14:creationId xmlns:p14="http://schemas.microsoft.com/office/powerpoint/2010/main" val="468157702"/>
       </p:ext>
     </p:extLst>
   </p:cSld>

--- a/ppt/IoT18-Micropython.pptx
+++ b/ppt/IoT18-Micropython.pptx
@@ -5,10 +5,10 @@
     <p:sldMasterId id="2147483653" r:id="rId1"/>
   </p:sldMasterIdLst>
   <p:notesMasterIdLst>
-    <p:notesMasterId r:id="rId13"/>
+    <p:notesMasterId r:id="rId14"/>
   </p:notesMasterIdLst>
   <p:handoutMasterIdLst>
-    <p:handoutMasterId r:id="rId14"/>
+    <p:handoutMasterId r:id="rId15"/>
   </p:handoutMasterIdLst>
   <p:sldIdLst>
     <p:sldId id="264" r:id="rId2"/>
@@ -19,9 +19,10 @@
     <p:sldId id="269" r:id="rId7"/>
     <p:sldId id="274" r:id="rId8"/>
     <p:sldId id="273" r:id="rId9"/>
-    <p:sldId id="270" r:id="rId10"/>
-    <p:sldId id="275" r:id="rId11"/>
-    <p:sldId id="272" r:id="rId12"/>
+    <p:sldId id="276" r:id="rId10"/>
+    <p:sldId id="270" r:id="rId11"/>
+    <p:sldId id="275" r:id="rId12"/>
+    <p:sldId id="272" r:id="rId13"/>
   </p:sldIdLst>
   <p:sldSz cx="9144000" cy="6858000" type="screen4x3"/>
   <p:notesSz cx="6648450" cy="9782175"/>
@@ -3760,6 +3761,167 @@
           <p:cNvPr id="2" name="Titre 1">
             <a:extLst>
               <a:ext uri="{FF2B5EF4-FFF2-40B4-BE49-F238E27FC236}">
+                <a16:creationId xmlns:a16="http://schemas.microsoft.com/office/drawing/2014/main" id="{9692C48D-2F20-4B9C-4E23-E8DB310F8E74}"/>
+              </a:ext>
+            </a:extLst>
+          </p:cNvPr>
+          <p:cNvSpPr>
+            <a:spLocks noGrp="1"/>
+          </p:cNvSpPr>
+          <p:nvPr>
+            <p:ph type="title"/>
+          </p:nvPr>
+        </p:nvSpPr>
+        <p:spPr/>
+        <p:txBody>
+          <a:bodyPr/>
+          <a:lstStyle/>
+          <a:p>
+            <a:r>
+              <a:rPr lang="fr-FR" dirty="0" err="1"/>
+              <a:t>PyCharm</a:t>
+            </a:r>
+            <a:endParaRPr lang="fr-FR" dirty="0"/>
+          </a:p>
+        </p:txBody>
+      </p:sp>
+      <p:sp>
+        <p:nvSpPr>
+          <p:cNvPr id="3" name="Espace réservé du contenu 2">
+            <a:extLst>
+              <a:ext uri="{FF2B5EF4-FFF2-40B4-BE49-F238E27FC236}">
+                <a16:creationId xmlns:a16="http://schemas.microsoft.com/office/drawing/2014/main" id="{8BB73FBE-4655-BBD1-6A3C-3B94517CAC69}"/>
+              </a:ext>
+            </a:extLst>
+          </p:cNvPr>
+          <p:cNvSpPr>
+            <a:spLocks noGrp="1"/>
+          </p:cNvSpPr>
+          <p:nvPr>
+            <p:ph idx="1"/>
+          </p:nvPr>
+        </p:nvSpPr>
+        <p:spPr/>
+        <p:txBody>
+          <a:bodyPr/>
+          <a:lstStyle/>
+          <a:p>
+            <a:r>
+              <a:rPr lang="fr-FR" dirty="0"/>
+              <a:t>Plugin </a:t>
+            </a:r>
+            <a:r>
+              <a:rPr lang="fr-FR" dirty="0" err="1"/>
+              <a:t>Micropython</a:t>
+            </a:r>
+            <a:endParaRPr lang="fr-FR" dirty="0"/>
+          </a:p>
+          <a:p>
+            <a:r>
+              <a:rPr lang="fr-FR" dirty="0"/>
+              <a:t>Non compatible ESP32</a:t>
+            </a:r>
+          </a:p>
+          <a:p>
+            <a:endParaRPr lang="fr-FR" dirty="0"/>
+          </a:p>
+        </p:txBody>
+      </p:sp>
+      <p:pic>
+        <p:nvPicPr>
+          <p:cNvPr id="5" name="Image 4">
+            <a:extLst>
+              <a:ext uri="{FF2B5EF4-FFF2-40B4-BE49-F238E27FC236}">
+                <a16:creationId xmlns:a16="http://schemas.microsoft.com/office/drawing/2014/main" id="{6893C9EA-0308-56EB-1CD2-A55D3B7F5547}"/>
+              </a:ext>
+            </a:extLst>
+          </p:cNvPr>
+          <p:cNvPicPr>
+            <a:picLocks noChangeAspect="1"/>
+          </p:cNvPicPr>
+          <p:nvPr/>
+        </p:nvPicPr>
+        <p:blipFill>
+          <a:blip r:embed="rId2"/>
+          <a:stretch>
+            <a:fillRect/>
+          </a:stretch>
+        </p:blipFill>
+        <p:spPr>
+          <a:xfrm>
+            <a:off x="5102597" y="1412776"/>
+            <a:ext cx="3677163" cy="781159"/>
+          </a:xfrm>
+          <a:prstGeom prst="rect">
+            <a:avLst/>
+          </a:prstGeom>
+        </p:spPr>
+      </p:pic>
+      <p:pic>
+        <p:nvPicPr>
+          <p:cNvPr id="7" name="Image 6">
+            <a:extLst>
+              <a:ext uri="{FF2B5EF4-FFF2-40B4-BE49-F238E27FC236}">
+                <a16:creationId xmlns:a16="http://schemas.microsoft.com/office/drawing/2014/main" id="{B389444E-C156-BD18-231D-A72FB8D90EB2}"/>
+              </a:ext>
+            </a:extLst>
+          </p:cNvPr>
+          <p:cNvPicPr>
+            <a:picLocks noChangeAspect="1"/>
+          </p:cNvPicPr>
+          <p:nvPr/>
+        </p:nvPicPr>
+        <p:blipFill>
+          <a:blip r:embed="rId3"/>
+          <a:stretch>
+            <a:fillRect/>
+          </a:stretch>
+        </p:blipFill>
+        <p:spPr>
+          <a:xfrm>
+            <a:off x="2555776" y="3416710"/>
+            <a:ext cx="3810532" cy="2857899"/>
+          </a:xfrm>
+          <a:prstGeom prst="rect">
+            <a:avLst/>
+          </a:prstGeom>
+        </p:spPr>
+      </p:pic>
+    </p:spTree>
+    <p:extLst>
+      <p:ext uri="{BB962C8B-B14F-4D97-AF65-F5344CB8AC3E}">
+        <p14:creationId xmlns:p14="http://schemas.microsoft.com/office/powerpoint/2010/main" val="1262778638"/>
+      </p:ext>
+    </p:extLst>
+  </p:cSld>
+  <p:clrMapOvr>
+    <a:masterClrMapping/>
+  </p:clrMapOvr>
+</p:sld>
+</file>
+
+<file path=ppt/slides/slide11.xml><?xml version="1.0" encoding="utf-8"?>
+<p:sld xmlns:a="http://schemas.openxmlformats.org/drawingml/2006/main" xmlns:r="http://schemas.openxmlformats.org/officeDocument/2006/relationships" xmlns:p="http://schemas.openxmlformats.org/presentationml/2006/main">
+  <p:cSld>
+    <p:spTree>
+      <p:nvGrpSpPr>
+        <p:cNvPr id="1" name=""/>
+        <p:cNvGrpSpPr/>
+        <p:nvPr/>
+      </p:nvGrpSpPr>
+      <p:grpSpPr>
+        <a:xfrm>
+          <a:off x="0" y="0"/>
+          <a:ext cx="0" cy="0"/>
+          <a:chOff x="0" y="0"/>
+          <a:chExt cx="0" cy="0"/>
+        </a:xfrm>
+      </p:grpSpPr>
+      <p:sp>
+        <p:nvSpPr>
+          <p:cNvPr id="2" name="Titre 1">
+            <a:extLst>
+              <a:ext uri="{FF2B5EF4-FFF2-40B4-BE49-F238E27FC236}">
                 <a16:creationId xmlns:a16="http://schemas.microsoft.com/office/drawing/2014/main" id="{EEAAC0A7-215E-B9A6-C2C9-B1B3F264D632}"/>
               </a:ext>
             </a:extLst>
@@ -3825,7 +3987,7 @@
 </p:sld>
 </file>
 
-<file path=ppt/slides/slide11.xml><?xml version="1.0" encoding="utf-8"?>
+<file path=ppt/slides/slide12.xml><?xml version="1.0" encoding="utf-8"?>
 <p:sld xmlns:a="http://schemas.openxmlformats.org/drawingml/2006/main" xmlns:r="http://schemas.openxmlformats.org/officeDocument/2006/relationships" xmlns:p="http://schemas.openxmlformats.org/presentationml/2006/main">
   <p:cSld>
     <p:spTree>
@@ -4894,7 +5056,7 @@
           <p:cNvPr id="2" name="Titre 1">
             <a:extLst>
               <a:ext uri="{FF2B5EF4-FFF2-40B4-BE49-F238E27FC236}">
-                <a16:creationId xmlns:a16="http://schemas.microsoft.com/office/drawing/2014/main" id="{9692C48D-2F20-4B9C-4E23-E8DB310F8E74}"/>
+                <a16:creationId xmlns:a16="http://schemas.microsoft.com/office/drawing/2014/main" id="{D5DF0F8C-8302-F73F-971F-0CBE24EDBC89}"/>
               </a:ext>
             </a:extLst>
           </p:cNvPr>
@@ -4911,10 +5073,9 @@
           <a:lstStyle/>
           <a:p>
             <a:r>
-              <a:rPr lang="fr-FR" dirty="0" err="1"/>
-              <a:t>PyCharm</a:t>
-            </a:r>
-            <a:endParaRPr lang="fr-FR" dirty="0"/>
+              <a:rPr lang="fr-FR" dirty="0"/>
+              <a:t>REPL</a:t>
+            </a:r>
           </a:p>
         </p:txBody>
       </p:sp>
@@ -4923,7 +5084,7 @@
           <p:cNvPr id="3" name="Espace réservé du contenu 2">
             <a:extLst>
               <a:ext uri="{FF2B5EF4-FFF2-40B4-BE49-F238E27FC236}">
-                <a16:creationId xmlns:a16="http://schemas.microsoft.com/office/drawing/2014/main" id="{8BB73FBE-4655-BBD1-6A3C-3B94517CAC69}"/>
+                <a16:creationId xmlns:a16="http://schemas.microsoft.com/office/drawing/2014/main" id="{3059DD2E-786F-905E-C265-D3DCD8F4182E}"/>
               </a:ext>
             </a:extLst>
           </p:cNvPr>
@@ -4941,21 +5102,55 @@
           <a:p>
             <a:r>
               <a:rPr lang="fr-FR" dirty="0"/>
-              <a:t>Plugin </a:t>
+              <a:t>Read </a:t>
+            </a:r>
+            <a:r>
+              <a:rPr lang="fr-FR" dirty="0" err="1"/>
+              <a:t>Evaluate</a:t>
+            </a:r>
+            <a:r>
+              <a:rPr lang="fr-FR" dirty="0"/>
+              <a:t> </a:t>
+            </a:r>
+            <a:r>
+              <a:rPr lang="fr-FR" dirty="0" err="1"/>
+              <a:t>Print</a:t>
+            </a:r>
+            <a:r>
+              <a:rPr lang="fr-FR" dirty="0"/>
+              <a:t> Loop</a:t>
+            </a:r>
+          </a:p>
+          <a:p>
+            <a:pPr lvl="1"/>
+            <a:r>
+              <a:rPr lang="fr-FR" dirty="0"/>
+              <a:t>Il s'agit du prompt </a:t>
             </a:r>
             <a:r>
               <a:rPr lang="fr-FR" dirty="0" err="1"/>
               <a:t>Micropython</a:t>
             </a:r>
+            <a:r>
+              <a:rPr lang="fr-FR" dirty="0"/>
+              <a:t> accessible via </a:t>
+            </a:r>
+            <a:r>
+              <a:rPr lang="fr-FR" dirty="0" err="1"/>
+              <a:t>Thonny</a:t>
+            </a:r>
             <a:endParaRPr lang="fr-FR" dirty="0"/>
           </a:p>
           <a:p>
+            <a:pPr lvl="1"/>
             <a:r>
               <a:rPr lang="fr-FR" dirty="0"/>
-              <a:t>Non compatible ESP32</a:t>
-            </a:r>
-          </a:p>
-          <a:p>
+              <a:t>Par défaut sur UART0 (</a:t>
+            </a:r>
+            <a:r>
+              <a:rPr lang="fr-FR"/>
+              <a:t>USB)</a:t>
+            </a:r>
             <a:endParaRPr lang="fr-FR" dirty="0"/>
           </a:p>
         </p:txBody>
@@ -4965,7 +5160,7 @@
           <p:cNvPr id="5" name="Image 4">
             <a:extLst>
               <a:ext uri="{FF2B5EF4-FFF2-40B4-BE49-F238E27FC236}">
-                <a16:creationId xmlns:a16="http://schemas.microsoft.com/office/drawing/2014/main" id="{6893C9EA-0308-56EB-1CD2-A55D3B7F5547}"/>
+                <a16:creationId xmlns:a16="http://schemas.microsoft.com/office/drawing/2014/main" id="{002C1E65-D65A-D4E4-3D1C-CC041DA52AF6}"/>
               </a:ext>
             </a:extLst>
           </p:cNvPr>
@@ -4982,38 +5177,8 @@
         </p:blipFill>
         <p:spPr>
           <a:xfrm>
-            <a:off x="5102597" y="1412776"/>
-            <a:ext cx="3677163" cy="781159"/>
-          </a:xfrm>
-          <a:prstGeom prst="rect">
-            <a:avLst/>
-          </a:prstGeom>
-        </p:spPr>
-      </p:pic>
-      <p:pic>
-        <p:nvPicPr>
-          <p:cNvPr id="7" name="Image 6">
-            <a:extLst>
-              <a:ext uri="{FF2B5EF4-FFF2-40B4-BE49-F238E27FC236}">
-                <a16:creationId xmlns:a16="http://schemas.microsoft.com/office/drawing/2014/main" id="{B389444E-C156-BD18-231D-A72FB8D90EB2}"/>
-              </a:ext>
-            </a:extLst>
-          </p:cNvPr>
-          <p:cNvPicPr>
-            <a:picLocks noChangeAspect="1"/>
-          </p:cNvPicPr>
-          <p:nvPr/>
-        </p:nvPicPr>
-        <p:blipFill>
-          <a:blip r:embed="rId3"/>
-          <a:stretch>
-            <a:fillRect/>
-          </a:stretch>
-        </p:blipFill>
-        <p:spPr>
-          <a:xfrm>
-            <a:off x="2555776" y="3416710"/>
-            <a:ext cx="3810532" cy="2857899"/>
+            <a:off x="2411760" y="3761277"/>
+            <a:ext cx="4505954" cy="1714739"/>
           </a:xfrm>
           <a:prstGeom prst="rect">
             <a:avLst/>
@@ -5023,7 +5188,7 @@
     </p:spTree>
     <p:extLst>
       <p:ext uri="{BB962C8B-B14F-4D97-AF65-F5344CB8AC3E}">
-        <p14:creationId xmlns:p14="http://schemas.microsoft.com/office/powerpoint/2010/main" val="1262778638"/>
+        <p14:creationId xmlns:p14="http://schemas.microsoft.com/office/powerpoint/2010/main" val="955643809"/>
       </p:ext>
     </p:extLst>
   </p:cSld>

--- a/ppt/IoT18-Micropython.pptx
+++ b/ppt/IoT18-Micropython.pptx
@@ -5,10 +5,10 @@
     <p:sldMasterId id="2147483653" r:id="rId1"/>
   </p:sldMasterIdLst>
   <p:notesMasterIdLst>
-    <p:notesMasterId r:id="rId14"/>
+    <p:notesMasterId r:id="rId18"/>
   </p:notesMasterIdLst>
   <p:handoutMasterIdLst>
-    <p:handoutMasterId r:id="rId15"/>
+    <p:handoutMasterId r:id="rId19"/>
   </p:handoutMasterIdLst>
   <p:sldIdLst>
     <p:sldId id="264" r:id="rId2"/>
@@ -20,9 +20,13 @@
     <p:sldId id="274" r:id="rId8"/>
     <p:sldId id="273" r:id="rId9"/>
     <p:sldId id="276" r:id="rId10"/>
-    <p:sldId id="270" r:id="rId11"/>
-    <p:sldId id="275" r:id="rId12"/>
-    <p:sldId id="272" r:id="rId13"/>
+    <p:sldId id="275" r:id="rId11"/>
+    <p:sldId id="272" r:id="rId12"/>
+    <p:sldId id="270" r:id="rId13"/>
+    <p:sldId id="277" r:id="rId14"/>
+    <p:sldId id="278" r:id="rId15"/>
+    <p:sldId id="279" r:id="rId16"/>
+    <p:sldId id="280" r:id="rId17"/>
   </p:sldIdLst>
   <p:sldSz cx="9144000" cy="6858000" type="screen4x3"/>
   <p:notesSz cx="6648450" cy="9782175"/>
@@ -3761,6 +3765,191 @@
           <p:cNvPr id="2" name="Titre 1">
             <a:extLst>
               <a:ext uri="{FF2B5EF4-FFF2-40B4-BE49-F238E27FC236}">
+                <a16:creationId xmlns:a16="http://schemas.microsoft.com/office/drawing/2014/main" id="{EEAAC0A7-215E-B9A6-C2C9-B1B3F264D632}"/>
+              </a:ext>
+            </a:extLst>
+          </p:cNvPr>
+          <p:cNvSpPr>
+            <a:spLocks noGrp="1"/>
+          </p:cNvSpPr>
+          <p:nvPr>
+            <p:ph type="title"/>
+          </p:nvPr>
+        </p:nvSpPr>
+        <p:spPr/>
+        <p:txBody>
+          <a:bodyPr/>
+          <a:lstStyle/>
+          <a:p>
+            <a:r>
+              <a:rPr lang="fr-FR" dirty="0"/>
+              <a:t>Premier script</a:t>
+            </a:r>
+          </a:p>
+        </p:txBody>
+      </p:sp>
+      <p:pic>
+        <p:nvPicPr>
+          <p:cNvPr id="5" name="Espace réservé du contenu 4">
+            <a:extLst>
+              <a:ext uri="{FF2B5EF4-FFF2-40B4-BE49-F238E27FC236}">
+                <a16:creationId xmlns:a16="http://schemas.microsoft.com/office/drawing/2014/main" id="{F0111A1A-96C5-E6D9-FEFC-FB0389310410}"/>
+              </a:ext>
+            </a:extLst>
+          </p:cNvPr>
+          <p:cNvPicPr>
+            <a:picLocks noGrp="1" noChangeAspect="1"/>
+          </p:cNvPicPr>
+          <p:nvPr>
+            <p:ph idx="1"/>
+          </p:nvPr>
+        </p:nvPicPr>
+        <p:blipFill>
+          <a:blip r:embed="rId2"/>
+          <a:stretch>
+            <a:fillRect/>
+          </a:stretch>
+        </p:blipFill>
+        <p:spPr>
+          <a:xfrm>
+            <a:off x="2423814" y="2380240"/>
+            <a:ext cx="4277322" cy="3105583"/>
+          </a:xfrm>
+        </p:spPr>
+      </p:pic>
+    </p:spTree>
+    <p:extLst>
+      <p:ext uri="{BB962C8B-B14F-4D97-AF65-F5344CB8AC3E}">
+        <p14:creationId xmlns:p14="http://schemas.microsoft.com/office/powerpoint/2010/main" val="468157702"/>
+      </p:ext>
+    </p:extLst>
+  </p:cSld>
+  <p:clrMapOvr>
+    <a:masterClrMapping/>
+  </p:clrMapOvr>
+</p:sld>
+</file>
+
+<file path=ppt/slides/slide11.xml><?xml version="1.0" encoding="utf-8"?>
+<p:sld xmlns:a="http://schemas.openxmlformats.org/drawingml/2006/main" xmlns:r="http://schemas.openxmlformats.org/officeDocument/2006/relationships" xmlns:p="http://schemas.openxmlformats.org/presentationml/2006/main">
+  <p:cSld>
+    <p:spTree>
+      <p:nvGrpSpPr>
+        <p:cNvPr id="1" name=""/>
+        <p:cNvGrpSpPr/>
+        <p:nvPr/>
+      </p:nvGrpSpPr>
+      <p:grpSpPr>
+        <a:xfrm>
+          <a:off x="0" y="0"/>
+          <a:ext cx="0" cy="0"/>
+          <a:chOff x="0" y="0"/>
+          <a:chExt cx="0" cy="0"/>
+        </a:xfrm>
+      </p:grpSpPr>
+      <p:sp>
+        <p:nvSpPr>
+          <p:cNvPr id="2" name="Titre 1">
+            <a:extLst>
+              <a:ext uri="{FF2B5EF4-FFF2-40B4-BE49-F238E27FC236}">
+                <a16:creationId xmlns:a16="http://schemas.microsoft.com/office/drawing/2014/main" id="{FAB9C5E2-4803-0A10-875A-E025D04E94F5}"/>
+              </a:ext>
+            </a:extLst>
+          </p:cNvPr>
+          <p:cNvSpPr>
+            <a:spLocks noGrp="1"/>
+          </p:cNvSpPr>
+          <p:nvPr>
+            <p:ph type="title"/>
+          </p:nvPr>
+        </p:nvSpPr>
+        <p:spPr/>
+        <p:txBody>
+          <a:bodyPr/>
+          <a:lstStyle/>
+          <a:p>
+            <a:r>
+              <a:rPr lang="fr-FR" dirty="0"/>
+              <a:t>Refactorisation du code</a:t>
+            </a:r>
+          </a:p>
+        </p:txBody>
+      </p:sp>
+      <p:sp>
+        <p:nvSpPr>
+          <p:cNvPr id="3" name="Espace réservé du contenu 2">
+            <a:extLst>
+              <a:ext uri="{FF2B5EF4-FFF2-40B4-BE49-F238E27FC236}">
+                <a16:creationId xmlns:a16="http://schemas.microsoft.com/office/drawing/2014/main" id="{CA2F0CE6-898C-DDA9-31F4-D848D241A7C8}"/>
+              </a:ext>
+            </a:extLst>
+          </p:cNvPr>
+          <p:cNvSpPr>
+            <a:spLocks noGrp="1"/>
+          </p:cNvSpPr>
+          <p:nvPr>
+            <p:ph idx="1"/>
+          </p:nvPr>
+        </p:nvSpPr>
+        <p:spPr/>
+        <p:txBody>
+          <a:bodyPr/>
+          <a:lstStyle/>
+          <a:p>
+            <a:r>
+              <a:rPr lang="fr-FR" dirty="0"/>
+              <a:t>Encourager les modules</a:t>
+            </a:r>
+          </a:p>
+          <a:p>
+            <a:r>
+              <a:rPr lang="fr-FR" dirty="0"/>
+              <a:t>Encourage la programmation OO</a:t>
+            </a:r>
+          </a:p>
+          <a:p>
+            <a:r>
+              <a:rPr lang="fr-FR"/>
+              <a:t>Exemples</a:t>
+            </a:r>
+          </a:p>
+        </p:txBody>
+      </p:sp>
+    </p:spTree>
+    <p:extLst>
+      <p:ext uri="{BB962C8B-B14F-4D97-AF65-F5344CB8AC3E}">
+        <p14:creationId xmlns:p14="http://schemas.microsoft.com/office/powerpoint/2010/main" val="3855292402"/>
+      </p:ext>
+    </p:extLst>
+  </p:cSld>
+  <p:clrMapOvr>
+    <a:masterClrMapping/>
+  </p:clrMapOvr>
+</p:sld>
+</file>
+
+<file path=ppt/slides/slide12.xml><?xml version="1.0" encoding="utf-8"?>
+<p:sld xmlns:a="http://schemas.openxmlformats.org/drawingml/2006/main" xmlns:r="http://schemas.openxmlformats.org/officeDocument/2006/relationships" xmlns:p="http://schemas.openxmlformats.org/presentationml/2006/main">
+  <p:cSld>
+    <p:spTree>
+      <p:nvGrpSpPr>
+        <p:cNvPr id="1" name=""/>
+        <p:cNvGrpSpPr/>
+        <p:nvPr/>
+      </p:nvGrpSpPr>
+      <p:grpSpPr>
+        <a:xfrm>
+          <a:off x="0" y="0"/>
+          <a:ext cx="0" cy="0"/>
+          <a:chOff x="0" y="0"/>
+          <a:chExt cx="0" cy="0"/>
+        </a:xfrm>
+      </p:grpSpPr>
+      <p:sp>
+        <p:nvSpPr>
+          <p:cNvPr id="2" name="Titre 1">
+            <a:extLst>
+              <a:ext uri="{FF2B5EF4-FFF2-40B4-BE49-F238E27FC236}">
                 <a16:creationId xmlns:a16="http://schemas.microsoft.com/office/drawing/2014/main" id="{9692C48D-2F20-4B9C-4E23-E8DB310F8E74}"/>
               </a:ext>
             </a:extLst>
@@ -3900,7 +4089,7 @@
 </p:sld>
 </file>
 
-<file path=ppt/slides/slide11.xml><?xml version="1.0" encoding="utf-8"?>
+<file path=ppt/slides/slide13.xml><?xml version="1.0" encoding="utf-8"?>
 <p:sld xmlns:a="http://schemas.openxmlformats.org/drawingml/2006/main" xmlns:r="http://schemas.openxmlformats.org/officeDocument/2006/relationships" xmlns:p="http://schemas.openxmlformats.org/presentationml/2006/main">
   <p:cSld>
     <p:spTree>
@@ -3922,7 +4111,7 @@
           <p:cNvPr id="2" name="Titre 1">
             <a:extLst>
               <a:ext uri="{FF2B5EF4-FFF2-40B4-BE49-F238E27FC236}">
-                <a16:creationId xmlns:a16="http://schemas.microsoft.com/office/drawing/2014/main" id="{EEAAC0A7-215E-B9A6-C2C9-B1B3F264D632}"/>
+                <a16:creationId xmlns:a16="http://schemas.microsoft.com/office/drawing/2014/main" id="{28F7EAB6-4DFE-B0C6-EC6D-37DACFC9CC60}"/>
               </a:ext>
             </a:extLst>
           </p:cNvPr>
@@ -3939,27 +4128,145 @@
           <a:lstStyle/>
           <a:p>
             <a:r>
-              <a:rPr lang="fr-FR" dirty="0"/>
-              <a:t>Premier script</a:t>
-            </a:r>
+              <a:rPr lang="fr-FR" dirty="0" err="1"/>
+              <a:t>VSCode</a:t>
+            </a:r>
+            <a:endParaRPr lang="fr-FR" dirty="0"/>
+          </a:p>
+        </p:txBody>
+      </p:sp>
+      <p:sp>
+        <p:nvSpPr>
+          <p:cNvPr id="3" name="Espace réservé du contenu 2">
+            <a:extLst>
+              <a:ext uri="{FF2B5EF4-FFF2-40B4-BE49-F238E27FC236}">
+                <a16:creationId xmlns:a16="http://schemas.microsoft.com/office/drawing/2014/main" id="{C2CB69A6-ADB3-4390-7CEE-F080397ECDC6}"/>
+              </a:ext>
+            </a:extLst>
+          </p:cNvPr>
+          <p:cNvSpPr>
+            <a:spLocks noGrp="1"/>
+          </p:cNvSpPr>
+          <p:nvPr>
+            <p:ph idx="1"/>
+          </p:nvPr>
+        </p:nvSpPr>
+        <p:spPr>
+          <a:xfrm>
+            <a:off x="179513" y="1412776"/>
+            <a:ext cx="5832648" cy="5040560"/>
+          </a:xfrm>
+        </p:spPr>
+        <p:txBody>
+          <a:bodyPr/>
+          <a:lstStyle/>
+          <a:p>
+            <a:r>
+              <a:rPr lang="fr-FR" dirty="0"/>
+              <a:t>Le meilleurs mais c'est complexe</a:t>
+            </a:r>
+          </a:p>
+          <a:p>
+            <a:pPr lvl="1"/>
+            <a:r>
+              <a:rPr lang="fr-FR" dirty="0"/>
+              <a:t>Le flash doit ce faire depuis </a:t>
+            </a:r>
+            <a:r>
+              <a:rPr lang="fr-FR" dirty="0" err="1"/>
+              <a:t>Thonny</a:t>
+            </a:r>
+            <a:r>
+              <a:rPr lang="fr-FR" dirty="0"/>
+              <a:t> puis</a:t>
+            </a:r>
+          </a:p>
+          <a:p>
+            <a:pPr lvl="1"/>
+            <a:r>
+              <a:rPr lang="fr-FR" dirty="0"/>
+              <a:t>Installer Node.js dernière version</a:t>
+            </a:r>
+          </a:p>
+          <a:p>
+            <a:pPr lvl="1"/>
+            <a:r>
+              <a:rPr lang="fr-FR" dirty="0"/>
+              <a:t>Installer l'extension </a:t>
+            </a:r>
+            <a:r>
+              <a:rPr lang="fr-FR" dirty="0" err="1"/>
+              <a:t>Pymkr</a:t>
+            </a:r>
+            <a:endParaRPr lang="fr-FR" dirty="0"/>
+          </a:p>
+          <a:p>
+            <a:pPr lvl="1"/>
+            <a:r>
+              <a:rPr lang="fr-FR" dirty="0"/>
+              <a:t>Cliquer sur l'icône </a:t>
+            </a:r>
+            <a:r>
+              <a:rPr lang="fr-FR" dirty="0" err="1"/>
+              <a:t>Pymkr</a:t>
+            </a:r>
+            <a:r>
+              <a:rPr lang="fr-FR" dirty="0"/>
+              <a:t> puis </a:t>
+            </a:r>
+            <a:r>
+              <a:rPr lang="fr-FR" dirty="0" err="1"/>
+              <a:t>create</a:t>
+            </a:r>
+            <a:r>
+              <a:rPr lang="fr-FR" dirty="0"/>
+              <a:t> </a:t>
+            </a:r>
+            <a:r>
+              <a:rPr lang="fr-FR" dirty="0" err="1"/>
+              <a:t>project</a:t>
+            </a:r>
+            <a:endParaRPr lang="fr-FR" dirty="0"/>
+          </a:p>
+          <a:p>
+            <a:pPr lvl="1"/>
+            <a:r>
+              <a:rPr lang="fr-FR" dirty="0"/>
+              <a:t>Puis </a:t>
+            </a:r>
+            <a:r>
+              <a:rPr lang="fr-FR" dirty="0" err="1"/>
+              <a:t>Add</a:t>
+            </a:r>
+            <a:r>
+              <a:rPr lang="fr-FR" dirty="0"/>
+              <a:t> </a:t>
+            </a:r>
+            <a:r>
+              <a:rPr lang="fr-FR" dirty="0" err="1"/>
+              <a:t>Device</a:t>
+            </a:r>
+            <a:endParaRPr lang="fr-FR" dirty="0"/>
+          </a:p>
+          <a:p>
+            <a:pPr lvl="1"/>
+            <a:endParaRPr lang="fr-FR" dirty="0"/>
           </a:p>
         </p:txBody>
       </p:sp>
       <p:pic>
         <p:nvPicPr>
-          <p:cNvPr id="5" name="Espace réservé du contenu 4">
+          <p:cNvPr id="5" name="Image 4">
             <a:extLst>
               <a:ext uri="{FF2B5EF4-FFF2-40B4-BE49-F238E27FC236}">
-                <a16:creationId xmlns:a16="http://schemas.microsoft.com/office/drawing/2014/main" id="{F0111A1A-96C5-E6D9-FEFC-FB0389310410}"/>
+                <a16:creationId xmlns:a16="http://schemas.microsoft.com/office/drawing/2014/main" id="{CDF5142F-7881-77EC-BF80-F11032FC2B9C}"/>
               </a:ext>
             </a:extLst>
           </p:cNvPr>
           <p:cNvPicPr>
-            <a:picLocks noGrp="1" noChangeAspect="1"/>
+            <a:picLocks noChangeAspect="1"/>
           </p:cNvPicPr>
-          <p:nvPr>
-            <p:ph idx="1"/>
-          </p:nvPr>
+          <p:nvPr/>
         </p:nvPicPr>
         <p:blipFill>
           <a:blip r:embed="rId2"/>
@@ -3969,15 +4276,95 @@
         </p:blipFill>
         <p:spPr>
           <a:xfrm>
-            <a:off x="2423814" y="2380240"/>
-            <a:ext cx="4277322" cy="3105583"/>
+            <a:off x="6138859" y="1772816"/>
+            <a:ext cx="2972215" cy="1247949"/>
           </a:xfrm>
+          <a:prstGeom prst="rect">
+            <a:avLst/>
+          </a:prstGeom>
+        </p:spPr>
+      </p:pic>
+      <p:pic>
+        <p:nvPicPr>
+          <p:cNvPr id="1026" name="Picture 2" descr="vscode-pymakr-create-project Programmer un ESP32/ESP8266 avec MicroPython et VS Code">
+            <a:extLst>
+              <a:ext uri="{FF2B5EF4-FFF2-40B4-BE49-F238E27FC236}">
+                <a16:creationId xmlns:a16="http://schemas.microsoft.com/office/drawing/2014/main" id="{1910E436-8758-4195-D703-B0C516337BFC}"/>
+              </a:ext>
+            </a:extLst>
+          </p:cNvPr>
+          <p:cNvPicPr>
+            <a:picLocks noChangeAspect="1" noChangeArrowheads="1"/>
+          </p:cNvPicPr>
+          <p:nvPr/>
+        </p:nvPicPr>
+        <p:blipFill>
+          <a:blip r:embed="rId3">
+            <a:extLst>
+              <a:ext uri="{28A0092B-C50C-407E-A947-70E740481C1C}">
+                <a14:useLocalDpi xmlns:a14="http://schemas.microsoft.com/office/drawing/2010/main" val="0"/>
+              </a:ext>
+            </a:extLst>
+          </a:blip>
+          <a:srcRect/>
+          <a:stretch>
+            <a:fillRect/>
+          </a:stretch>
+        </p:blipFill>
+        <p:spPr bwMode="auto">
+          <a:xfrm>
+            <a:off x="6109116" y="3067043"/>
+            <a:ext cx="3034884" cy="3386293"/>
+          </a:xfrm>
+          <a:prstGeom prst="rect">
+            <a:avLst/>
+          </a:prstGeom>
+          <a:noFill/>
+          <a:extLst>
+            <a:ext uri="{909E8E84-426E-40DD-AFC4-6F175D3DCCD1}">
+              <a14:hiddenFill xmlns:a14="http://schemas.microsoft.com/office/drawing/2010/main">
+                <a:solidFill>
+                  <a:srgbClr val="FFFFFF"/>
+                </a:solidFill>
+              </a14:hiddenFill>
+            </a:ext>
+          </a:extLst>
+        </p:spPr>
+      </p:pic>
+      <p:pic>
+        <p:nvPicPr>
+          <p:cNvPr id="7" name="Image 6">
+            <a:extLst>
+              <a:ext uri="{FF2B5EF4-FFF2-40B4-BE49-F238E27FC236}">
+                <a16:creationId xmlns:a16="http://schemas.microsoft.com/office/drawing/2014/main" id="{DDD1AA74-13B9-C0D3-A4F3-14F5C4FF3CFF}"/>
+              </a:ext>
+            </a:extLst>
+          </p:cNvPr>
+          <p:cNvPicPr>
+            <a:picLocks noChangeAspect="1"/>
+          </p:cNvPicPr>
+          <p:nvPr/>
+        </p:nvPicPr>
+        <p:blipFill>
+          <a:blip r:embed="rId4"/>
+          <a:stretch>
+            <a:fillRect/>
+          </a:stretch>
+        </p:blipFill>
+        <p:spPr>
+          <a:xfrm>
+            <a:off x="323528" y="5229199"/>
+            <a:ext cx="5684129" cy="1272683"/>
+          </a:xfrm>
+          <a:prstGeom prst="rect">
+            <a:avLst/>
+          </a:prstGeom>
         </p:spPr>
       </p:pic>
     </p:spTree>
     <p:extLst>
       <p:ext uri="{BB962C8B-B14F-4D97-AF65-F5344CB8AC3E}">
-        <p14:creationId xmlns:p14="http://schemas.microsoft.com/office/powerpoint/2010/main" val="468157702"/>
+        <p14:creationId xmlns:p14="http://schemas.microsoft.com/office/powerpoint/2010/main" val="2230251950"/>
       </p:ext>
     </p:extLst>
   </p:cSld>
@@ -3987,7 +4374,7 @@
 </p:sld>
 </file>
 
-<file path=ppt/slides/slide12.xml><?xml version="1.0" encoding="utf-8"?>
+<file path=ppt/slides/slide14.xml><?xml version="1.0" encoding="utf-8"?>
 <p:sld xmlns:a="http://schemas.openxmlformats.org/drawingml/2006/main" xmlns:r="http://schemas.openxmlformats.org/officeDocument/2006/relationships" xmlns:p="http://schemas.openxmlformats.org/presentationml/2006/main">
   <p:cSld>
     <p:spTree>
@@ -4009,7 +4396,7 @@
           <p:cNvPr id="2" name="Titre 1">
             <a:extLst>
               <a:ext uri="{FF2B5EF4-FFF2-40B4-BE49-F238E27FC236}">
-                <a16:creationId xmlns:a16="http://schemas.microsoft.com/office/drawing/2014/main" id="{FAB9C5E2-4803-0A10-875A-E025D04E94F5}"/>
+                <a16:creationId xmlns:a16="http://schemas.microsoft.com/office/drawing/2014/main" id="{51A99930-C6DB-20E5-23AD-710CF0890139}"/>
               </a:ext>
             </a:extLst>
           </p:cNvPr>
@@ -4026,9 +4413,10 @@
           <a:lstStyle/>
           <a:p>
             <a:r>
-              <a:rPr lang="fr-FR" dirty="0"/>
-              <a:t>Refactorisation du code</a:t>
-            </a:r>
+              <a:rPr lang="fr-FR" dirty="0" err="1"/>
+              <a:t>VSCode</a:t>
+            </a:r>
+            <a:endParaRPr lang="fr-FR" dirty="0"/>
           </a:p>
         </p:txBody>
       </p:sp>
@@ -4037,7 +4425,168 @@
           <p:cNvPr id="3" name="Espace réservé du contenu 2">
             <a:extLst>
               <a:ext uri="{FF2B5EF4-FFF2-40B4-BE49-F238E27FC236}">
-                <a16:creationId xmlns:a16="http://schemas.microsoft.com/office/drawing/2014/main" id="{CA2F0CE6-898C-DDA9-31F4-D848D241A7C8}"/>
+                <a16:creationId xmlns:a16="http://schemas.microsoft.com/office/drawing/2014/main" id="{38E7EB66-DDB0-6943-DAB2-7C2770DA8F01}"/>
+              </a:ext>
+            </a:extLst>
+          </p:cNvPr>
+          <p:cNvSpPr>
+            <a:spLocks noGrp="1"/>
+          </p:cNvSpPr>
+          <p:nvPr>
+            <p:ph idx="1"/>
+          </p:nvPr>
+        </p:nvSpPr>
+        <p:spPr>
+          <a:xfrm>
+            <a:off x="179512" y="1412776"/>
+            <a:ext cx="4536503" cy="5040560"/>
+          </a:xfrm>
+        </p:spPr>
+        <p:txBody>
+          <a:bodyPr/>
+          <a:lstStyle/>
+          <a:p>
+            <a:r>
+              <a:rPr lang="fr-FR" dirty="0"/>
+              <a:t>Lancer le terminal </a:t>
+            </a:r>
+            <a:r>
+              <a:rPr lang="fr-FR" dirty="0" err="1"/>
+              <a:t>Micropython</a:t>
+            </a:r>
+            <a:r>
+              <a:rPr lang="fr-FR" dirty="0"/>
+              <a:t> en cliquant sur Terminal et +</a:t>
+            </a:r>
+          </a:p>
+          <a:p>
+            <a:r>
+              <a:rPr lang="fr-FR" dirty="0"/>
+              <a:t>Créer un script</a:t>
+            </a:r>
+          </a:p>
+          <a:p>
+            <a:r>
+              <a:rPr lang="fr-FR" dirty="0"/>
+              <a:t>Se connecter à la </a:t>
+            </a:r>
+            <a:r>
+              <a:rPr lang="fr-FR" dirty="0" err="1"/>
+              <a:t>device</a:t>
+            </a:r>
+            <a:endParaRPr lang="fr-FR" dirty="0"/>
+          </a:p>
+          <a:p>
+            <a:r>
+              <a:rPr lang="fr-FR" dirty="0"/>
+              <a:t>Click droit sur le script &gt; </a:t>
+            </a:r>
+            <a:r>
+              <a:rPr lang="fr-FR" dirty="0" err="1"/>
+              <a:t>Pymakr</a:t>
+            </a:r>
+            <a:r>
+              <a:rPr lang="fr-FR" dirty="0"/>
+              <a:t> &gt; Run</a:t>
+            </a:r>
+          </a:p>
+        </p:txBody>
+      </p:sp>
+      <p:pic>
+        <p:nvPicPr>
+          <p:cNvPr id="5" name="Image 4">
+            <a:extLst>
+              <a:ext uri="{FF2B5EF4-FFF2-40B4-BE49-F238E27FC236}">
+                <a16:creationId xmlns:a16="http://schemas.microsoft.com/office/drawing/2014/main" id="{5465FE9D-7971-9114-64D9-7CC628ECCAC6}"/>
+              </a:ext>
+            </a:extLst>
+          </p:cNvPr>
+          <p:cNvPicPr>
+            <a:picLocks noChangeAspect="1"/>
+          </p:cNvPicPr>
+          <p:nvPr/>
+        </p:nvPicPr>
+        <p:blipFill>
+          <a:blip r:embed="rId2"/>
+          <a:stretch>
+            <a:fillRect/>
+          </a:stretch>
+        </p:blipFill>
+        <p:spPr>
+          <a:xfrm>
+            <a:off x="4716016" y="2138182"/>
+            <a:ext cx="4505954" cy="2581635"/>
+          </a:xfrm>
+          <a:prstGeom prst="rect">
+            <a:avLst/>
+          </a:prstGeom>
+        </p:spPr>
+      </p:pic>
+    </p:spTree>
+    <p:extLst>
+      <p:ext uri="{BB962C8B-B14F-4D97-AF65-F5344CB8AC3E}">
+        <p14:creationId xmlns:p14="http://schemas.microsoft.com/office/powerpoint/2010/main" val="695128524"/>
+      </p:ext>
+    </p:extLst>
+  </p:cSld>
+  <p:clrMapOvr>
+    <a:masterClrMapping/>
+  </p:clrMapOvr>
+</p:sld>
+</file>
+
+<file path=ppt/slides/slide15.xml><?xml version="1.0" encoding="utf-8"?>
+<p:sld xmlns:a="http://schemas.openxmlformats.org/drawingml/2006/main" xmlns:r="http://schemas.openxmlformats.org/officeDocument/2006/relationships" xmlns:p="http://schemas.openxmlformats.org/presentationml/2006/main">
+  <p:cSld>
+    <p:spTree>
+      <p:nvGrpSpPr>
+        <p:cNvPr id="1" name=""/>
+        <p:cNvGrpSpPr/>
+        <p:nvPr/>
+      </p:nvGrpSpPr>
+      <p:grpSpPr>
+        <a:xfrm>
+          <a:off x="0" y="0"/>
+          <a:ext cx="0" cy="0"/>
+          <a:chOff x="0" y="0"/>
+          <a:chExt cx="0" cy="0"/>
+        </a:xfrm>
+      </p:grpSpPr>
+      <p:sp>
+        <p:nvSpPr>
+          <p:cNvPr id="2" name="Titre 1">
+            <a:extLst>
+              <a:ext uri="{FF2B5EF4-FFF2-40B4-BE49-F238E27FC236}">
+                <a16:creationId xmlns:a16="http://schemas.microsoft.com/office/drawing/2014/main" id="{791CD62D-0720-F088-7726-03847742BBA7}"/>
+              </a:ext>
+            </a:extLst>
+          </p:cNvPr>
+          <p:cNvSpPr>
+            <a:spLocks noGrp="1"/>
+          </p:cNvSpPr>
+          <p:nvPr>
+            <p:ph type="title"/>
+          </p:nvPr>
+        </p:nvSpPr>
+        <p:spPr/>
+        <p:txBody>
+          <a:bodyPr/>
+          <a:lstStyle/>
+          <a:p>
+            <a:r>
+              <a:rPr lang="fr-FR" dirty="0" err="1"/>
+              <a:t>Intellisense</a:t>
+            </a:r>
+            <a:endParaRPr lang="fr-FR" dirty="0"/>
+          </a:p>
+        </p:txBody>
+      </p:sp>
+      <p:sp>
+        <p:nvSpPr>
+          <p:cNvPr id="3" name="Espace réservé du contenu 2">
+            <a:extLst>
+              <a:ext uri="{FF2B5EF4-FFF2-40B4-BE49-F238E27FC236}">
+                <a16:creationId xmlns:a16="http://schemas.microsoft.com/office/drawing/2014/main" id="{478FD2F4-E194-7DFF-A777-1DC56B74901A}"/>
               </a:ext>
             </a:extLst>
           </p:cNvPr>
@@ -4055,27 +4604,217 @@
           <a:p>
             <a:r>
               <a:rPr lang="fr-FR" dirty="0"/>
-              <a:t>Encourager les modules</a:t>
-            </a:r>
-          </a:p>
-          <a:p>
-            <a:r>
-              <a:rPr lang="fr-FR" dirty="0"/>
-              <a:t>Encourage la programmation OO</a:t>
-            </a:r>
-          </a:p>
-          <a:p>
+              <a:t>Taper la commande dans le terminal Python</a:t>
+            </a:r>
+          </a:p>
+          <a:p>
+            <a:pPr lvl="1"/>
+            <a:r>
+              <a:rPr lang="fr-FR" dirty="0"/>
+              <a:t>Et non </a:t>
+            </a:r>
+            <a:r>
+              <a:rPr lang="fr-FR" dirty="0" err="1"/>
+              <a:t>Micropython</a:t>
+            </a:r>
+            <a:endParaRPr lang="fr-FR" dirty="0"/>
+          </a:p>
+          <a:p>
+            <a:pPr lvl="1"/>
+            <a:r>
+              <a:rPr lang="fr-FR" dirty="0" err="1"/>
+              <a:t>pip</a:t>
+            </a:r>
+            <a:r>
+              <a:rPr lang="fr-FR" dirty="0"/>
+              <a:t> </a:t>
+            </a:r>
+            <a:r>
+              <a:rPr lang="fr-FR" dirty="0" err="1"/>
+              <a:t>install</a:t>
+            </a:r>
+            <a:r>
+              <a:rPr lang="fr-FR" dirty="0"/>
+              <a:t> -U micropython-esp32-stubs --no-user --</a:t>
+            </a:r>
+            <a:r>
+              <a:rPr lang="fr-FR" dirty="0" err="1"/>
+              <a:t>target</a:t>
+            </a:r>
+            <a:r>
+              <a:rPr lang="fr-FR" dirty="0"/>
+              <a:t> ./</a:t>
+            </a:r>
+            <a:r>
+              <a:rPr lang="fr-FR" dirty="0" err="1"/>
+              <a:t>typings</a:t>
+            </a:r>
+            <a:r>
+              <a:rPr lang="fr-FR" dirty="0"/>
+              <a:t> </a:t>
+            </a:r>
+          </a:p>
+          <a:p>
+            <a:r>
+              <a:rPr lang="fr-FR" dirty="0"/>
+              <a:t>Pour lancer un nouveau script il faut toujours arrêter l'ancien</a:t>
+            </a:r>
+          </a:p>
+          <a:p>
+            <a:pPr lvl="1"/>
+            <a:r>
+              <a:rPr lang="fr-FR" dirty="0" err="1"/>
+              <a:t>Control+C</a:t>
+            </a:r>
+            <a:r>
+              <a:rPr lang="fr-FR" dirty="0"/>
+              <a:t> dans le terminal</a:t>
+            </a:r>
+          </a:p>
+          <a:p>
+            <a:r>
+              <a:rPr lang="fr-FR" dirty="0"/>
+              <a:t>C'est </a:t>
+            </a:r>
             <a:r>
               <a:rPr lang="fr-FR"/>
-              <a:t>Exemples</a:t>
-            </a:r>
+              <a:t>assez lourd</a:t>
+            </a:r>
+          </a:p>
+          <a:p>
+            <a:endParaRPr lang="fr-FR" dirty="0"/>
           </a:p>
         </p:txBody>
       </p:sp>
     </p:spTree>
     <p:extLst>
       <p:ext uri="{BB962C8B-B14F-4D97-AF65-F5344CB8AC3E}">
-        <p14:creationId xmlns:p14="http://schemas.microsoft.com/office/powerpoint/2010/main" val="3855292402"/>
+        <p14:creationId xmlns:p14="http://schemas.microsoft.com/office/powerpoint/2010/main" val="4274470121"/>
+      </p:ext>
+    </p:extLst>
+  </p:cSld>
+  <p:clrMapOvr>
+    <a:masterClrMapping/>
+  </p:clrMapOvr>
+</p:sld>
+</file>
+
+<file path=ppt/slides/slide16.xml><?xml version="1.0" encoding="utf-8"?>
+<p:sld xmlns:a="http://schemas.openxmlformats.org/drawingml/2006/main" xmlns:r="http://schemas.openxmlformats.org/officeDocument/2006/relationships" xmlns:p="http://schemas.openxmlformats.org/presentationml/2006/main">
+  <p:cSld>
+    <p:spTree>
+      <p:nvGrpSpPr>
+        <p:cNvPr id="1" name=""/>
+        <p:cNvGrpSpPr/>
+        <p:nvPr/>
+      </p:nvGrpSpPr>
+      <p:grpSpPr>
+        <a:xfrm>
+          <a:off x="0" y="0"/>
+          <a:ext cx="0" cy="0"/>
+          <a:chOff x="0" y="0"/>
+          <a:chExt cx="0" cy="0"/>
+        </a:xfrm>
+      </p:grpSpPr>
+      <p:sp>
+        <p:nvSpPr>
+          <p:cNvPr id="2" name="Titre 1">
+            <a:extLst>
+              <a:ext uri="{FF2B5EF4-FFF2-40B4-BE49-F238E27FC236}">
+                <a16:creationId xmlns:a16="http://schemas.microsoft.com/office/drawing/2014/main" id="{6CD6D8D7-451F-D7F9-91B7-5AEC9573AB66}"/>
+              </a:ext>
+            </a:extLst>
+          </p:cNvPr>
+          <p:cNvSpPr>
+            <a:spLocks noGrp="1"/>
+          </p:cNvSpPr>
+          <p:nvPr>
+            <p:ph type="title"/>
+          </p:nvPr>
+        </p:nvSpPr>
+        <p:spPr/>
+        <p:txBody>
+          <a:bodyPr/>
+          <a:lstStyle/>
+          <a:p>
+            <a:r>
+              <a:rPr lang="fr-FR" dirty="0"/>
+              <a:t>Pour travailler</a:t>
+            </a:r>
+          </a:p>
+        </p:txBody>
+      </p:sp>
+      <p:sp>
+        <p:nvSpPr>
+          <p:cNvPr id="3" name="Espace réservé du contenu 2">
+            <a:extLst>
+              <a:ext uri="{FF2B5EF4-FFF2-40B4-BE49-F238E27FC236}">
+                <a16:creationId xmlns:a16="http://schemas.microsoft.com/office/drawing/2014/main" id="{E833FCE2-288F-AF89-BA40-504936651EBB}"/>
+              </a:ext>
+            </a:extLst>
+          </p:cNvPr>
+          <p:cNvSpPr>
+            <a:spLocks noGrp="1"/>
+          </p:cNvSpPr>
+          <p:nvPr>
+            <p:ph idx="1"/>
+          </p:nvPr>
+        </p:nvSpPr>
+        <p:spPr/>
+        <p:txBody>
+          <a:bodyPr/>
+          <a:lstStyle/>
+          <a:p>
+            <a:r>
+              <a:rPr lang="fr-FR" dirty="0"/>
+              <a:t>Pour la formation</a:t>
+            </a:r>
+          </a:p>
+          <a:p>
+            <a:pPr lvl="1"/>
+            <a:r>
+              <a:rPr lang="fr-FR" dirty="0"/>
+              <a:t>Utiliser </a:t>
+            </a:r>
+            <a:r>
+              <a:rPr lang="fr-FR" dirty="0" err="1"/>
+              <a:t>Thonny</a:t>
+            </a:r>
+            <a:r>
+              <a:rPr lang="fr-FR" dirty="0"/>
+              <a:t> pour </a:t>
+            </a:r>
+            <a:r>
+              <a:rPr lang="fr-FR" dirty="0" err="1"/>
+              <a:t>Micropython</a:t>
+            </a:r>
+            <a:endParaRPr lang="fr-FR" dirty="0"/>
+          </a:p>
+          <a:p>
+            <a:pPr lvl="1"/>
+            <a:r>
+              <a:rPr lang="fr-FR" dirty="0"/>
+              <a:t>Utiliser </a:t>
+            </a:r>
+            <a:r>
+              <a:rPr lang="fr-FR" dirty="0" err="1"/>
+              <a:t>VSCode</a:t>
+            </a:r>
+            <a:r>
+              <a:rPr lang="fr-FR" dirty="0"/>
+              <a:t> </a:t>
+            </a:r>
+            <a:r>
+              <a:rPr lang="fr-FR"/>
+              <a:t>pour Python</a:t>
+            </a:r>
+          </a:p>
+        </p:txBody>
+      </p:sp>
+    </p:spTree>
+    <p:extLst>
+      <p:ext uri="{BB962C8B-B14F-4D97-AF65-F5344CB8AC3E}">
+        <p14:creationId xmlns:p14="http://schemas.microsoft.com/office/powerpoint/2010/main" val="4148902464"/>
       </p:ext>
     </p:extLst>
   </p:cSld>

--- a/ppt/IoT18-Micropython.pptx
+++ b/ppt/IoT18-Micropython.pptx
@@ -4887,6 +4887,13 @@
               <a:rPr lang="fr-FR" dirty="0"/>
               <a:t> est une implémentation du langage de programmation libre, sous licence MIT, de Python, adapté au monde des microcontrôleurs</a:t>
             </a:r>
+          </a:p>
+          <a:p>
+            <a:r>
+              <a:rPr lang="fr-FR"/>
+              <a:t>2012</a:t>
+            </a:r>
+            <a:endParaRPr lang="fr-FR" dirty="0"/>
           </a:p>
           <a:p>
             <a:r>

--- a/ppt/IoT18-Micropython.pptx
+++ b/ppt/IoT18-Micropython.pptx
@@ -5762,11 +5762,218 @@
         </p:blipFill>
         <p:spPr>
           <a:xfrm>
-            <a:off x="1313997" y="1584791"/>
-            <a:ext cx="6496957" cy="4696480"/>
+            <a:off x="1279932" y="1978382"/>
+            <a:ext cx="6584136" cy="4759499"/>
           </a:xfrm>
         </p:spPr>
       </p:pic>
+      <p:sp>
+        <p:nvSpPr>
+          <p:cNvPr id="3" name="Espace réservé du contenu 2">
+            <a:extLst>
+              <a:ext uri="{FF2B5EF4-FFF2-40B4-BE49-F238E27FC236}">
+                <a16:creationId xmlns:a16="http://schemas.microsoft.com/office/drawing/2014/main" id="{04911C61-FEB7-2227-3ECF-F7C1C0444E32}"/>
+              </a:ext>
+            </a:extLst>
+          </p:cNvPr>
+          <p:cNvSpPr txBox="1">
+            <a:spLocks/>
+          </p:cNvSpPr>
+          <p:nvPr/>
+        </p:nvSpPr>
+        <p:spPr bwMode="auto">
+          <a:xfrm>
+            <a:off x="179513" y="1412776"/>
+            <a:ext cx="5904656" cy="2448272"/>
+          </a:xfrm>
+          <a:prstGeom prst="rect">
+            <a:avLst/>
+          </a:prstGeom>
+          <a:noFill/>
+          <a:ln>
+            <a:noFill/>
+          </a:ln>
+          <a:extLst>
+            <a:ext uri="{909E8E84-426E-40DD-AFC4-6F175D3DCCD1}">
+              <a14:hiddenFill xmlns:a14="http://schemas.microsoft.com/office/drawing/2010/main">
+                <a:solidFill>
+                  <a:srgbClr val="FFFFFF"/>
+                </a:solidFill>
+              </a14:hiddenFill>
+            </a:ext>
+            <a:ext uri="{91240B29-F687-4F45-9708-019B960494DF}">
+              <a14:hiddenLine xmlns:a14="http://schemas.microsoft.com/office/drawing/2010/main" w="9525">
+                <a:solidFill>
+                  <a:srgbClr val="000000"/>
+                </a:solidFill>
+                <a:miter lim="800000"/>
+                <a:headEnd/>
+                <a:tailEnd/>
+              </a14:hiddenLine>
+            </a:ext>
+          </a:extLst>
+        </p:spPr>
+        <p:txBody>
+          <a:bodyPr vert="horz" wrap="square" lIns="91440" tIns="45720" rIns="91440" bIns="45720" numCol="1" anchor="t" anchorCtr="0" compatLnSpc="1">
+            <a:prstTxWarp prst="textNoShape">
+              <a:avLst/>
+            </a:prstTxWarp>
+          </a:bodyPr>
+          <a:lstStyle>
+            <a:lvl1pPr marL="342900" indent="-342900" algn="l" rtl="0" eaLnBrk="0" fontAlgn="base" hangingPunct="0">
+              <a:spcBef>
+                <a:spcPct val="20000"/>
+              </a:spcBef>
+              <a:spcAft>
+                <a:spcPct val="0"/>
+              </a:spcAft>
+              <a:buClr>
+                <a:schemeClr val="tx1"/>
+              </a:buClr>
+              <a:buFont typeface="Monotype Sorts" pitchFamily="2" charset="2"/>
+              <a:buChar char="o"/>
+              <a:defRPr sz="2800">
+                <a:solidFill>
+                  <a:schemeClr val="tx1"/>
+                </a:solidFill>
+                <a:latin typeface="+mn-lt"/>
+                <a:ea typeface="+mn-ea"/>
+                <a:cs typeface="+mn-cs"/>
+              </a:defRPr>
+            </a:lvl1pPr>
+            <a:lvl2pPr marL="742950" indent="-285750" algn="l" rtl="0" eaLnBrk="0" fontAlgn="base" hangingPunct="0">
+              <a:spcBef>
+                <a:spcPct val="20000"/>
+              </a:spcBef>
+              <a:spcAft>
+                <a:spcPct val="0"/>
+              </a:spcAft>
+              <a:buChar char="–"/>
+              <a:defRPr sz="2400">
+                <a:solidFill>
+                  <a:schemeClr val="tx1"/>
+                </a:solidFill>
+                <a:latin typeface="+mn-lt"/>
+              </a:defRPr>
+            </a:lvl2pPr>
+            <a:lvl3pPr marL="1143000" indent="-228600" algn="l" rtl="0" eaLnBrk="0" fontAlgn="base" hangingPunct="0">
+              <a:spcBef>
+                <a:spcPct val="20000"/>
+              </a:spcBef>
+              <a:spcAft>
+                <a:spcPct val="0"/>
+              </a:spcAft>
+              <a:buChar char="•"/>
+              <a:defRPr sz="2000">
+                <a:solidFill>
+                  <a:schemeClr val="tx1"/>
+                </a:solidFill>
+                <a:latin typeface="+mn-lt"/>
+              </a:defRPr>
+            </a:lvl3pPr>
+            <a:lvl4pPr marL="1600200" indent="-228600" algn="l" rtl="0" eaLnBrk="0" fontAlgn="base" hangingPunct="0">
+              <a:spcBef>
+                <a:spcPct val="20000"/>
+              </a:spcBef>
+              <a:spcAft>
+                <a:spcPct val="0"/>
+              </a:spcAft>
+              <a:buChar char="–"/>
+              <a:defRPr>
+                <a:solidFill>
+                  <a:schemeClr val="tx1"/>
+                </a:solidFill>
+                <a:latin typeface="+mn-lt"/>
+              </a:defRPr>
+            </a:lvl4pPr>
+            <a:lvl5pPr marL="2057400" indent="-228600" algn="l" rtl="0" eaLnBrk="0" fontAlgn="base" hangingPunct="0">
+              <a:spcBef>
+                <a:spcPct val="20000"/>
+              </a:spcBef>
+              <a:spcAft>
+                <a:spcPct val="0"/>
+              </a:spcAft>
+              <a:buChar char="»"/>
+              <a:defRPr sz="1600">
+                <a:solidFill>
+                  <a:schemeClr val="tx1"/>
+                </a:solidFill>
+                <a:latin typeface="+mn-lt"/>
+              </a:defRPr>
+            </a:lvl5pPr>
+            <a:lvl6pPr marL="2514600" indent="-228600" algn="l" rtl="0" fontAlgn="base">
+              <a:spcBef>
+                <a:spcPct val="20000"/>
+              </a:spcBef>
+              <a:spcAft>
+                <a:spcPct val="0"/>
+              </a:spcAft>
+              <a:buChar char="»"/>
+              <a:defRPr sz="1600">
+                <a:solidFill>
+                  <a:schemeClr val="tx1"/>
+                </a:solidFill>
+                <a:latin typeface="+mn-lt"/>
+              </a:defRPr>
+            </a:lvl6pPr>
+            <a:lvl7pPr marL="2971800" indent="-228600" algn="l" rtl="0" fontAlgn="base">
+              <a:spcBef>
+                <a:spcPct val="20000"/>
+              </a:spcBef>
+              <a:spcAft>
+                <a:spcPct val="0"/>
+              </a:spcAft>
+              <a:buChar char="»"/>
+              <a:defRPr sz="1600">
+                <a:solidFill>
+                  <a:schemeClr val="tx1"/>
+                </a:solidFill>
+                <a:latin typeface="+mn-lt"/>
+              </a:defRPr>
+            </a:lvl7pPr>
+            <a:lvl8pPr marL="3429000" indent="-228600" algn="l" rtl="0" fontAlgn="base">
+              <a:spcBef>
+                <a:spcPct val="20000"/>
+              </a:spcBef>
+              <a:spcAft>
+                <a:spcPct val="0"/>
+              </a:spcAft>
+              <a:buChar char="»"/>
+              <a:defRPr sz="1600">
+                <a:solidFill>
+                  <a:schemeClr val="tx1"/>
+                </a:solidFill>
+                <a:latin typeface="+mn-lt"/>
+              </a:defRPr>
+            </a:lvl8pPr>
+            <a:lvl9pPr marL="3886200" indent="-228600" algn="l" rtl="0" fontAlgn="base">
+              <a:spcBef>
+                <a:spcPct val="20000"/>
+              </a:spcBef>
+              <a:spcAft>
+                <a:spcPct val="0"/>
+              </a:spcAft>
+              <a:buChar char="»"/>
+              <a:defRPr sz="1600">
+                <a:solidFill>
+                  <a:schemeClr val="tx1"/>
+                </a:solidFill>
+                <a:latin typeface="+mn-lt"/>
+              </a:defRPr>
+            </a:lvl9pPr>
+          </a:lstStyle>
+          <a:p>
+            <a:r>
+              <a:rPr lang="fr-FR" kern="0" dirty="0"/>
+              <a:t>Testé uniquement en 1.24.1</a:t>
+            </a:r>
+          </a:p>
+          <a:p>
+            <a:pPr lvl="1"/>
+            <a:endParaRPr lang="fr-FR" kern="0" dirty="0"/>
+          </a:p>
+        </p:txBody>
+      </p:sp>
     </p:spTree>
     <p:extLst>
       <p:ext uri="{BB962C8B-B14F-4D97-AF65-F5344CB8AC3E}">
